--- a/293 - Praise to the Living God!.pptx
+++ b/293 - Praise to the Living God!.pptx
@@ -243,7 +243,7 @@
           <a:p>
             <a:fld id="{32F7251A-AE54-443C-B8FE-5F636E835EBF}" type="datetimeFigureOut">
               <a:rPr lang="en-US" smtClean="0"/>
-              <a:t>9/8/2019</a:t>
+              <a:t>8/16/2020</a:t>
             </a:fld>
             <a:endParaRPr lang="en-US"/>
           </a:p>
@@ -411,7 +411,7 @@
           <a:p>
             <a:fld id="{32F7251A-AE54-443C-B8FE-5F636E835EBF}" type="datetimeFigureOut">
               <a:rPr lang="en-US" smtClean="0"/>
-              <a:t>9/8/2019</a:t>
+              <a:t>8/16/2020</a:t>
             </a:fld>
             <a:endParaRPr lang="en-US"/>
           </a:p>
@@ -589,7 +589,7 @@
           <a:p>
             <a:fld id="{32F7251A-AE54-443C-B8FE-5F636E835EBF}" type="datetimeFigureOut">
               <a:rPr lang="en-US" smtClean="0"/>
-              <a:t>9/8/2019</a:t>
+              <a:t>8/16/2020</a:t>
             </a:fld>
             <a:endParaRPr lang="en-US"/>
           </a:p>
@@ -757,7 +757,7 @@
           <a:p>
             <a:fld id="{32F7251A-AE54-443C-B8FE-5F636E835EBF}" type="datetimeFigureOut">
               <a:rPr lang="en-US" smtClean="0"/>
-              <a:t>9/8/2019</a:t>
+              <a:t>8/16/2020</a:t>
             </a:fld>
             <a:endParaRPr lang="en-US"/>
           </a:p>
@@ -1002,7 +1002,7 @@
           <a:p>
             <a:fld id="{32F7251A-AE54-443C-B8FE-5F636E835EBF}" type="datetimeFigureOut">
               <a:rPr lang="en-US" smtClean="0"/>
-              <a:t>9/8/2019</a:t>
+              <a:t>8/16/2020</a:t>
             </a:fld>
             <a:endParaRPr lang="en-US"/>
           </a:p>
@@ -1231,7 +1231,7 @@
           <a:p>
             <a:fld id="{32F7251A-AE54-443C-B8FE-5F636E835EBF}" type="datetimeFigureOut">
               <a:rPr lang="en-US" smtClean="0"/>
-              <a:t>9/8/2019</a:t>
+              <a:t>8/16/2020</a:t>
             </a:fld>
             <a:endParaRPr lang="en-US"/>
           </a:p>
@@ -1595,7 +1595,7 @@
           <a:p>
             <a:fld id="{32F7251A-AE54-443C-B8FE-5F636E835EBF}" type="datetimeFigureOut">
               <a:rPr lang="en-US" smtClean="0"/>
-              <a:t>9/8/2019</a:t>
+              <a:t>8/16/2020</a:t>
             </a:fld>
             <a:endParaRPr lang="en-US"/>
           </a:p>
@@ -1712,7 +1712,7 @@
           <a:p>
             <a:fld id="{32F7251A-AE54-443C-B8FE-5F636E835EBF}" type="datetimeFigureOut">
               <a:rPr lang="en-US" smtClean="0"/>
-              <a:t>9/8/2019</a:t>
+              <a:t>8/16/2020</a:t>
             </a:fld>
             <a:endParaRPr lang="en-US"/>
           </a:p>
@@ -1807,7 +1807,7 @@
           <a:p>
             <a:fld id="{32F7251A-AE54-443C-B8FE-5F636E835EBF}" type="datetimeFigureOut">
               <a:rPr lang="en-US" smtClean="0"/>
-              <a:t>9/8/2019</a:t>
+              <a:t>8/16/2020</a:t>
             </a:fld>
             <a:endParaRPr lang="en-US"/>
           </a:p>
@@ -2082,7 +2082,7 @@
           <a:p>
             <a:fld id="{32F7251A-AE54-443C-B8FE-5F636E835EBF}" type="datetimeFigureOut">
               <a:rPr lang="en-US" smtClean="0"/>
-              <a:t>9/8/2019</a:t>
+              <a:t>8/16/2020</a:t>
             </a:fld>
             <a:endParaRPr lang="en-US"/>
           </a:p>
@@ -2334,7 +2334,7 @@
           <a:p>
             <a:fld id="{32F7251A-AE54-443C-B8FE-5F636E835EBF}" type="datetimeFigureOut">
               <a:rPr lang="en-US" smtClean="0"/>
-              <a:t>9/8/2019</a:t>
+              <a:t>8/16/2020</a:t>
             </a:fld>
             <a:endParaRPr lang="en-US"/>
           </a:p>
@@ -2401,7 +2401,9 @@
     <p:bg>
       <p:bgPr>
         <a:solidFill>
-          <a:srgbClr val="333333"/>
+          <a:schemeClr val="bg1">
+            <a:lumMod val="10000"/>
+          </a:schemeClr>
         </a:solidFill>
         <a:effectLst/>
       </p:bgPr>
@@ -2548,7 +2550,7 @@
           <a:p>
             <a:fld id="{32F7251A-AE54-443C-B8FE-5F636E835EBF}" type="datetimeFigureOut">
               <a:rPr lang="en-US" smtClean="0"/>
-              <a:t>9/8/2019</a:t>
+              <a:t>8/16/2020</a:t>
             </a:fld>
             <a:endParaRPr lang="en-US"/>
           </a:p>
@@ -3018,8 +3020,8 @@
         </p:nvSpPr>
         <p:spPr>
           <a:xfrm>
-            <a:off x="0" y="5804209"/>
-            <a:ext cx="12192000" cy="830997"/>
+            <a:off x="0" y="5927320"/>
+            <a:ext cx="12192000" cy="584775"/>
           </a:xfrm>
           <a:prstGeom prst="rect">
             <a:avLst/>
@@ -3034,10 +3036,12 @@
           <a:p>
             <a:pPr algn="ctr"/>
             <a:r>
-              <a:rPr lang="en-US" sz="4800" dirty="0">
+              <a:rPr lang="en-US" sz="3200" u="sng" dirty="0">
                 <a:solidFill>
                   <a:schemeClr val="bg1"/>
                 </a:solidFill>
+                <a:latin typeface="Assistant SemiBold" panose="00000700000000000000" pitchFamily="2" charset="-79"/>
+                <a:cs typeface="Assistant SemiBold" panose="00000700000000000000" pitchFamily="2" charset="-79"/>
               </a:rPr>
               <a:t>“Praise to the Living God!”</a:t>
             </a:r>
@@ -3052,8 +3056,8 @@
         </p:nvSpPr>
         <p:spPr>
           <a:xfrm>
-            <a:off x="0" y="319381"/>
-            <a:ext cx="12192000" cy="5078313"/>
+            <a:off x="0" y="729571"/>
+            <a:ext cx="12192000" cy="3970318"/>
           </a:xfrm>
           <a:prstGeom prst="rect">
             <a:avLst/>
@@ -3068,10 +3072,12 @@
           <a:p>
             <a:pPr algn="ctr"/>
             <a:r>
-              <a:rPr lang="en-US" sz="3600" dirty="0">
+              <a:rPr lang="en-US" sz="2800" spc="50" dirty="0">
                 <a:solidFill>
                   <a:schemeClr val="bg1"/>
                 </a:solidFill>
+                <a:latin typeface="Assistant" panose="00000500000000000000" pitchFamily="2" charset="-79"/>
+                <a:cs typeface="Assistant" panose="00000500000000000000" pitchFamily="2" charset="-79"/>
               </a:rPr>
               <a:t>Praise to the living God!</a:t>
             </a:r>
@@ -3079,64 +3085,61 @@
           <a:p>
             <a:pPr algn="ctr"/>
             <a:r>
-              <a:rPr lang="en-US" sz="3600" dirty="0">
+              <a:rPr lang="en-US" sz="2800" spc="50" dirty="0">
                 <a:solidFill>
                   <a:schemeClr val="bg1"/>
                 </a:solidFill>
+                <a:latin typeface="Assistant" panose="00000500000000000000" pitchFamily="2" charset="-79"/>
+                <a:cs typeface="Assistant" panose="00000500000000000000" pitchFamily="2" charset="-79"/>
               </a:rPr>
-              <a:t>Al praised </a:t>
-            </a:r>
-            <a:r>
-              <a:rPr lang="en-US" sz="3600">
+              <a:t>Al praised be His name</a:t>
+            </a:r>
+          </a:p>
+          <a:p>
+            <a:pPr algn="ctr"/>
+            <a:r>
+              <a:rPr lang="en-US" sz="2800" spc="50" dirty="0">
                 <a:solidFill>
                   <a:schemeClr val="bg1"/>
                 </a:solidFill>
+                <a:latin typeface="Assistant" panose="00000500000000000000" pitchFamily="2" charset="-79"/>
+                <a:cs typeface="Assistant" panose="00000500000000000000" pitchFamily="2" charset="-79"/>
               </a:rPr>
-              <a:t>be His name</a:t>
-            </a:r>
-            <a:endParaRPr lang="en-US" sz="3600" dirty="0">
+              <a:t>Who was and is and is to be</a:t>
+            </a:r>
+          </a:p>
+          <a:p>
+            <a:pPr algn="ctr"/>
+            <a:r>
+              <a:rPr lang="en-US" sz="2800" spc="50" dirty="0">
+                <a:solidFill>
+                  <a:schemeClr val="bg1"/>
+                </a:solidFill>
+                <a:latin typeface="Assistant" panose="00000500000000000000" pitchFamily="2" charset="-79"/>
+                <a:cs typeface="Assistant" panose="00000500000000000000" pitchFamily="2" charset="-79"/>
+              </a:rPr>
+              <a:t>For aye the same.</a:t>
+            </a:r>
+          </a:p>
+          <a:p>
+            <a:pPr algn="ctr"/>
+            <a:endParaRPr lang="en-US" sz="2800" spc="50" dirty="0">
               <a:solidFill>
                 <a:schemeClr val="bg1"/>
               </a:solidFill>
+              <a:latin typeface="Assistant" panose="00000500000000000000" pitchFamily="2" charset="-79"/>
+              <a:cs typeface="Assistant" panose="00000500000000000000" pitchFamily="2" charset="-79"/>
             </a:endParaRPr>
           </a:p>
           <a:p>
             <a:pPr algn="ctr"/>
             <a:r>
-              <a:rPr lang="en-US" sz="3600" dirty="0">
+              <a:rPr lang="en-US" sz="2800" spc="50" dirty="0">
                 <a:solidFill>
                   <a:schemeClr val="bg1"/>
                 </a:solidFill>
-              </a:rPr>
-              <a:t>Who was and is and is to be</a:t>
-            </a:r>
-          </a:p>
-          <a:p>
-            <a:pPr algn="ctr"/>
-            <a:r>
-              <a:rPr lang="en-US" sz="3600" dirty="0">
-                <a:solidFill>
-                  <a:schemeClr val="bg1"/>
-                </a:solidFill>
-              </a:rPr>
-              <a:t>For aye the same.</a:t>
-            </a:r>
-          </a:p>
-          <a:p>
-            <a:pPr algn="ctr"/>
-            <a:endParaRPr lang="en-US" sz="3600" dirty="0">
-              <a:solidFill>
-                <a:schemeClr val="bg1"/>
-              </a:solidFill>
-            </a:endParaRPr>
-          </a:p>
-          <a:p>
-            <a:pPr algn="ctr"/>
-            <a:r>
-              <a:rPr lang="en-US" sz="3600" dirty="0">
-                <a:solidFill>
-                  <a:schemeClr val="bg1"/>
-                </a:solidFill>
+                <a:latin typeface="Assistant" panose="00000500000000000000" pitchFamily="2" charset="-79"/>
+                <a:cs typeface="Assistant" panose="00000500000000000000" pitchFamily="2" charset="-79"/>
               </a:rPr>
               <a:t>The one eternal God</a:t>
             </a:r>
@@ -3144,10 +3147,12 @@
           <a:p>
             <a:pPr algn="ctr"/>
             <a:r>
-              <a:rPr lang="en-US" sz="3600" dirty="0">
+              <a:rPr lang="en-US" sz="2800" spc="50" dirty="0">
                 <a:solidFill>
                   <a:schemeClr val="bg1"/>
                 </a:solidFill>
+                <a:latin typeface="Assistant" panose="00000500000000000000" pitchFamily="2" charset="-79"/>
+                <a:cs typeface="Assistant" panose="00000500000000000000" pitchFamily="2" charset="-79"/>
               </a:rPr>
               <a:t>Ere aught that ow appears;</a:t>
             </a:r>
@@ -3155,10 +3160,12 @@
           <a:p>
             <a:pPr algn="ctr"/>
             <a:r>
-              <a:rPr lang="en-US" sz="3600" dirty="0">
+              <a:rPr lang="en-US" sz="2800" spc="50" dirty="0">
                 <a:solidFill>
                   <a:schemeClr val="bg1"/>
                 </a:solidFill>
+                <a:latin typeface="Assistant" panose="00000500000000000000" pitchFamily="2" charset="-79"/>
+                <a:cs typeface="Assistant" panose="00000500000000000000" pitchFamily="2" charset="-79"/>
               </a:rPr>
               <a:t>The first, the las, beyond all thought, </a:t>
             </a:r>
@@ -3166,10 +3173,12 @@
           <a:p>
             <a:pPr algn="ctr"/>
             <a:r>
-              <a:rPr lang="en-US" sz="3600" dirty="0">
+              <a:rPr lang="en-US" sz="2800" spc="50" dirty="0">
                 <a:solidFill>
                   <a:schemeClr val="bg1"/>
                 </a:solidFill>
+                <a:latin typeface="Assistant" panose="00000500000000000000" pitchFamily="2" charset="-79"/>
+                <a:cs typeface="Assistant" panose="00000500000000000000" pitchFamily="2" charset="-79"/>
               </a:rPr>
               <a:t>His timeless years!</a:t>
             </a:r>
@@ -3271,8 +3280,8 @@
         </p:nvSpPr>
         <p:spPr>
           <a:xfrm>
-            <a:off x="0" y="5804209"/>
-            <a:ext cx="12192000" cy="830997"/>
+            <a:off x="0" y="5927320"/>
+            <a:ext cx="12192000" cy="584775"/>
           </a:xfrm>
           <a:prstGeom prst="rect">
             <a:avLst/>
@@ -3287,10 +3296,12 @@
           <a:p>
             <a:pPr algn="ctr"/>
             <a:r>
-              <a:rPr lang="en-US" sz="4800" dirty="0">
+              <a:rPr lang="en-US" sz="3200" u="sng" dirty="0">
                 <a:solidFill>
                   <a:schemeClr val="bg1"/>
                 </a:solidFill>
+                <a:latin typeface="Assistant SemiBold" panose="00000700000000000000" pitchFamily="2" charset="-79"/>
+                <a:cs typeface="Assistant SemiBold" panose="00000700000000000000" pitchFamily="2" charset="-79"/>
               </a:rPr>
               <a:t>“Praise to the Living God!”</a:t>
             </a:r>
@@ -3305,8 +3316,8 @@
         </p:nvSpPr>
         <p:spPr>
           <a:xfrm>
-            <a:off x="0" y="319381"/>
-            <a:ext cx="12192000" cy="5078313"/>
+            <a:off x="0" y="729571"/>
+            <a:ext cx="12192000" cy="3970318"/>
           </a:xfrm>
           <a:prstGeom prst="rect">
             <a:avLst/>
@@ -3321,26 +3332,32 @@
           <a:p>
             <a:pPr algn="ctr"/>
             <a:r>
-              <a:rPr lang="en-US" sz="3600" dirty="0">
+              <a:rPr lang="en-US" sz="2800" spc="50" dirty="0">
                 <a:solidFill>
                   <a:schemeClr val="bg1"/>
                 </a:solidFill>
+                <a:latin typeface="Assistant" panose="00000500000000000000" pitchFamily="2" charset="-79"/>
+                <a:cs typeface="Assistant" panose="00000500000000000000" pitchFamily="2" charset="-79"/>
               </a:rPr>
               <a:t>His Sprit </a:t>
             </a:r>
             <a:r>
-              <a:rPr lang="en-US" sz="3600" dirty="0" err="1">
+              <a:rPr lang="en-US" sz="2800" spc="50" dirty="0" err="1">
                 <a:solidFill>
                   <a:schemeClr val="bg1"/>
                 </a:solidFill>
+                <a:latin typeface="Assistant" panose="00000500000000000000" pitchFamily="2" charset="-79"/>
+                <a:cs typeface="Assistant" panose="00000500000000000000" pitchFamily="2" charset="-79"/>
               </a:rPr>
               <a:t>floweth</a:t>
             </a:r>
             <a:r>
-              <a:rPr lang="en-US" sz="3600" dirty="0">
+              <a:rPr lang="en-US" sz="2800" spc="50" dirty="0">
                 <a:solidFill>
                   <a:schemeClr val="bg1"/>
                 </a:solidFill>
+                <a:latin typeface="Assistant" panose="00000500000000000000" pitchFamily="2" charset="-79"/>
+                <a:cs typeface="Assistant" panose="00000500000000000000" pitchFamily="2" charset="-79"/>
               </a:rPr>
               <a:t> free,</a:t>
             </a:r>
@@ -3348,10 +3365,12 @@
           <a:p>
             <a:pPr algn="ctr"/>
             <a:r>
-              <a:rPr lang="en-US" sz="3600" dirty="0">
+              <a:rPr lang="en-US" sz="2800" spc="50" dirty="0">
                 <a:solidFill>
                   <a:schemeClr val="bg1"/>
                 </a:solidFill>
+                <a:latin typeface="Assistant" panose="00000500000000000000" pitchFamily="2" charset="-79"/>
+                <a:cs typeface="Assistant" panose="00000500000000000000" pitchFamily="2" charset="-79"/>
               </a:rPr>
               <a:t>High surging where it will;</a:t>
             </a:r>
@@ -3359,26 +3378,32 @@
           <a:p>
             <a:pPr algn="ctr"/>
             <a:r>
-              <a:rPr lang="en-US" sz="3600" dirty="0">
+              <a:rPr lang="en-US" sz="2800" spc="50" dirty="0">
                 <a:solidFill>
                   <a:schemeClr val="bg1"/>
                 </a:solidFill>
+                <a:latin typeface="Assistant" panose="00000500000000000000" pitchFamily="2" charset="-79"/>
+                <a:cs typeface="Assistant" panose="00000500000000000000" pitchFamily="2" charset="-79"/>
               </a:rPr>
               <a:t>In prophet’s word, He </a:t>
             </a:r>
             <a:r>
-              <a:rPr lang="en-US" sz="3600" dirty="0" err="1">
+              <a:rPr lang="en-US" sz="2800" spc="50" dirty="0" err="1">
                 <a:solidFill>
                   <a:schemeClr val="bg1"/>
                 </a:solidFill>
+                <a:latin typeface="Assistant" panose="00000500000000000000" pitchFamily="2" charset="-79"/>
+                <a:cs typeface="Assistant" panose="00000500000000000000" pitchFamily="2" charset="-79"/>
               </a:rPr>
               <a:t>spake</a:t>
             </a:r>
             <a:r>
-              <a:rPr lang="en-US" sz="3600" dirty="0">
+              <a:rPr lang="en-US" sz="2800" spc="50" dirty="0">
                 <a:solidFill>
                   <a:schemeClr val="bg1"/>
                 </a:solidFill>
+                <a:latin typeface="Assistant" panose="00000500000000000000" pitchFamily="2" charset="-79"/>
+                <a:cs typeface="Assistant" panose="00000500000000000000" pitchFamily="2" charset="-79"/>
               </a:rPr>
               <a:t> of old;</a:t>
             </a:r>
@@ -3386,45 +3411,55 @@
           <a:p>
             <a:pPr algn="ctr"/>
             <a:r>
-              <a:rPr lang="en-US" sz="3600" dirty="0">
+              <a:rPr lang="en-US" sz="2800" spc="50" dirty="0">
                 <a:solidFill>
                   <a:schemeClr val="bg1"/>
                 </a:solidFill>
+                <a:latin typeface="Assistant" panose="00000500000000000000" pitchFamily="2" charset="-79"/>
+                <a:cs typeface="Assistant" panose="00000500000000000000" pitchFamily="2" charset="-79"/>
               </a:rPr>
               <a:t>He </a:t>
             </a:r>
             <a:r>
-              <a:rPr lang="en-US" sz="3600" dirty="0" err="1">
+              <a:rPr lang="en-US" sz="2800" spc="50" dirty="0" err="1">
                 <a:solidFill>
                   <a:schemeClr val="bg1"/>
                 </a:solidFill>
+                <a:latin typeface="Assistant" panose="00000500000000000000" pitchFamily="2" charset="-79"/>
+                <a:cs typeface="Assistant" panose="00000500000000000000" pitchFamily="2" charset="-79"/>
               </a:rPr>
               <a:t>speaketh</a:t>
             </a:r>
             <a:r>
-              <a:rPr lang="en-US" sz="3600" dirty="0">
+              <a:rPr lang="en-US" sz="2800" spc="50" dirty="0">
                 <a:solidFill>
                   <a:schemeClr val="bg1"/>
                 </a:solidFill>
+                <a:latin typeface="Assistant" panose="00000500000000000000" pitchFamily="2" charset="-79"/>
+                <a:cs typeface="Assistant" panose="00000500000000000000" pitchFamily="2" charset="-79"/>
               </a:rPr>
               <a:t> still.</a:t>
             </a:r>
           </a:p>
           <a:p>
             <a:pPr algn="ctr"/>
-            <a:endParaRPr lang="en-US" sz="3600" dirty="0">
+            <a:endParaRPr lang="en-US" sz="2800" spc="50" dirty="0">
               <a:solidFill>
                 <a:schemeClr val="bg1"/>
               </a:solidFill>
+              <a:latin typeface="Assistant" panose="00000500000000000000" pitchFamily="2" charset="-79"/>
+              <a:cs typeface="Assistant" panose="00000500000000000000" pitchFamily="2" charset="-79"/>
             </a:endParaRPr>
           </a:p>
           <a:p>
             <a:pPr algn="ctr"/>
             <a:r>
-              <a:rPr lang="en-US" sz="3600" dirty="0">
+              <a:rPr lang="en-US" sz="2800" spc="50" dirty="0">
                 <a:solidFill>
                   <a:schemeClr val="bg1"/>
                 </a:solidFill>
+                <a:latin typeface="Assistant" panose="00000500000000000000" pitchFamily="2" charset="-79"/>
+                <a:cs typeface="Assistant" panose="00000500000000000000" pitchFamily="2" charset="-79"/>
               </a:rPr>
               <a:t>Established is His law,</a:t>
             </a:r>
@@ -3432,10 +3467,12 @@
           <a:p>
             <a:pPr algn="ctr"/>
             <a:r>
-              <a:rPr lang="en-US" sz="3600" dirty="0">
+              <a:rPr lang="en-US" sz="2800" spc="50" dirty="0">
                 <a:solidFill>
                   <a:schemeClr val="bg1"/>
                 </a:solidFill>
+                <a:latin typeface="Assistant" panose="00000500000000000000" pitchFamily="2" charset="-79"/>
+                <a:cs typeface="Assistant" panose="00000500000000000000" pitchFamily="2" charset="-79"/>
               </a:rPr>
               <a:t> And changeless it shall stand,</a:t>
             </a:r>
@@ -3443,10 +3480,12 @@
           <a:p>
             <a:pPr algn="ctr"/>
             <a:r>
-              <a:rPr lang="en-US" sz="3600" dirty="0">
+              <a:rPr lang="en-US" sz="2800" spc="50" dirty="0">
                 <a:solidFill>
                   <a:schemeClr val="bg1"/>
                 </a:solidFill>
+                <a:latin typeface="Assistant" panose="00000500000000000000" pitchFamily="2" charset="-79"/>
+                <a:cs typeface="Assistant" panose="00000500000000000000" pitchFamily="2" charset="-79"/>
               </a:rPr>
               <a:t>Deep writ upon the human heart,</a:t>
             </a:r>
@@ -3454,10 +3493,12 @@
           <a:p>
             <a:pPr algn="ctr"/>
             <a:r>
-              <a:rPr lang="en-US" sz="3600" dirty="0">
+              <a:rPr lang="en-US" sz="2800" spc="50" dirty="0">
                 <a:solidFill>
                   <a:schemeClr val="bg1"/>
                 </a:solidFill>
+                <a:latin typeface="Assistant" panose="00000500000000000000" pitchFamily="2" charset="-79"/>
+                <a:cs typeface="Assistant" panose="00000500000000000000" pitchFamily="2" charset="-79"/>
               </a:rPr>
               <a:t>On sea, on land.</a:t>
             </a:r>
@@ -3559,8 +3600,8 @@
         </p:nvSpPr>
         <p:spPr>
           <a:xfrm>
-            <a:off x="0" y="5804209"/>
-            <a:ext cx="12192000" cy="830997"/>
+            <a:off x="0" y="5927320"/>
+            <a:ext cx="12192000" cy="584775"/>
           </a:xfrm>
           <a:prstGeom prst="rect">
             <a:avLst/>
@@ -3575,10 +3616,12 @@
           <a:p>
             <a:pPr algn="ctr"/>
             <a:r>
-              <a:rPr lang="en-US" sz="4800" dirty="0">
+              <a:rPr lang="en-US" sz="3200" u="sng" dirty="0">
                 <a:solidFill>
                   <a:schemeClr val="bg1"/>
                 </a:solidFill>
+                <a:latin typeface="Assistant SemiBold" panose="00000700000000000000" pitchFamily="2" charset="-79"/>
+                <a:cs typeface="Assistant SemiBold" panose="00000700000000000000" pitchFamily="2" charset="-79"/>
               </a:rPr>
               <a:t>“Praise to the Living God!”</a:t>
             </a:r>
@@ -3593,8 +3636,8 @@
         </p:nvSpPr>
         <p:spPr>
           <a:xfrm>
-            <a:off x="0" y="319381"/>
-            <a:ext cx="12192000" cy="5078313"/>
+            <a:off x="0" y="729571"/>
+            <a:ext cx="12192000" cy="3970318"/>
           </a:xfrm>
           <a:prstGeom prst="rect">
             <a:avLst/>
@@ -3609,10 +3652,12 @@
           <a:p>
             <a:pPr algn="ctr"/>
             <a:r>
-              <a:rPr lang="en-US" sz="3600" dirty="0">
+              <a:rPr lang="en-US" sz="2800" spc="50" dirty="0">
                 <a:solidFill>
                   <a:schemeClr val="bg1"/>
                 </a:solidFill>
+                <a:latin typeface="Assistant" panose="00000500000000000000" pitchFamily="2" charset="-79"/>
+                <a:cs typeface="Assistant" panose="00000500000000000000" pitchFamily="2" charset="-79"/>
               </a:rPr>
               <a:t>Eternal life hath He</a:t>
             </a:r>
@@ -3620,10 +3665,12 @@
           <a:p>
             <a:pPr algn="ctr"/>
             <a:r>
-              <a:rPr lang="en-US" sz="3600" dirty="0">
+              <a:rPr lang="en-US" sz="2800" spc="50" dirty="0">
                 <a:solidFill>
                   <a:schemeClr val="bg1"/>
                 </a:solidFill>
+                <a:latin typeface="Assistant" panose="00000500000000000000" pitchFamily="2" charset="-79"/>
+                <a:cs typeface="Assistant" panose="00000500000000000000" pitchFamily="2" charset="-79"/>
               </a:rPr>
               <a:t>Implanted in the soul;</a:t>
             </a:r>
@@ -3631,10 +3678,12 @@
           <a:p>
             <a:pPr algn="ctr"/>
             <a:r>
-              <a:rPr lang="en-US" sz="3600" dirty="0">
+              <a:rPr lang="en-US" sz="2800" spc="50" dirty="0">
                 <a:solidFill>
                   <a:schemeClr val="bg1"/>
                 </a:solidFill>
+                <a:latin typeface="Assistant" panose="00000500000000000000" pitchFamily="2" charset="-79"/>
+                <a:cs typeface="Assistant" panose="00000500000000000000" pitchFamily="2" charset="-79"/>
               </a:rPr>
               <a:t>His love shall be our strength and stay</a:t>
             </a:r>
@@ -3642,29 +3691,35 @@
           <a:p>
             <a:pPr algn="ctr"/>
             <a:r>
-              <a:rPr lang="en-US" sz="3600" dirty="0">
+              <a:rPr lang="en-US" sz="2800" spc="50" dirty="0">
                 <a:solidFill>
                   <a:schemeClr val="bg1"/>
                 </a:solidFill>
+                <a:latin typeface="Assistant" panose="00000500000000000000" pitchFamily="2" charset="-79"/>
+                <a:cs typeface="Assistant" panose="00000500000000000000" pitchFamily="2" charset="-79"/>
               </a:rPr>
               <a:t>While ages roll.</a:t>
             </a:r>
           </a:p>
           <a:p>
             <a:pPr algn="ctr"/>
-            <a:endParaRPr lang="en-US" sz="3600" dirty="0">
+            <a:endParaRPr lang="en-US" sz="2800" spc="50" dirty="0">
               <a:solidFill>
                 <a:schemeClr val="bg1"/>
               </a:solidFill>
+              <a:latin typeface="Assistant" panose="00000500000000000000" pitchFamily="2" charset="-79"/>
+              <a:cs typeface="Assistant" panose="00000500000000000000" pitchFamily="2" charset="-79"/>
             </a:endParaRPr>
           </a:p>
           <a:p>
             <a:pPr algn="ctr"/>
             <a:r>
-              <a:rPr lang="en-US" sz="3600" dirty="0">
+              <a:rPr lang="en-US" sz="2800" spc="50" dirty="0">
                 <a:solidFill>
                   <a:schemeClr val="bg1"/>
                 </a:solidFill>
+                <a:latin typeface="Assistant" panose="00000500000000000000" pitchFamily="2" charset="-79"/>
+                <a:cs typeface="Assistant" panose="00000500000000000000" pitchFamily="2" charset="-79"/>
               </a:rPr>
               <a:t>Praise to the living God!</a:t>
             </a:r>
@@ -3672,10 +3727,12 @@
           <a:p>
             <a:pPr algn="ctr"/>
             <a:r>
-              <a:rPr lang="en-US" sz="3600" dirty="0">
+              <a:rPr lang="en-US" sz="2800" spc="50" dirty="0">
                 <a:solidFill>
                   <a:schemeClr val="bg1"/>
                 </a:solidFill>
+                <a:latin typeface="Assistant" panose="00000500000000000000" pitchFamily="2" charset="-79"/>
+                <a:cs typeface="Assistant" panose="00000500000000000000" pitchFamily="2" charset="-79"/>
               </a:rPr>
               <a:t>All praised be His name</a:t>
             </a:r>
@@ -3683,10 +3740,12 @@
           <a:p>
             <a:pPr algn="ctr"/>
             <a:r>
-              <a:rPr lang="en-US" sz="3600" dirty="0">
+              <a:rPr lang="en-US" sz="2800" spc="50" dirty="0">
                 <a:solidFill>
                   <a:schemeClr val="bg1"/>
                 </a:solidFill>
+                <a:latin typeface="Assistant" panose="00000500000000000000" pitchFamily="2" charset="-79"/>
+                <a:cs typeface="Assistant" panose="00000500000000000000" pitchFamily="2" charset="-79"/>
               </a:rPr>
               <a:t>Who was and is and is to be</a:t>
             </a:r>
@@ -3694,10 +3753,12 @@
           <a:p>
             <a:pPr algn="ctr"/>
             <a:r>
-              <a:rPr lang="en-US" sz="3600" dirty="0">
+              <a:rPr lang="en-US" sz="2800" spc="50" dirty="0">
                 <a:solidFill>
                   <a:schemeClr val="bg1"/>
                 </a:solidFill>
+                <a:latin typeface="Assistant" panose="00000500000000000000" pitchFamily="2" charset="-79"/>
+                <a:cs typeface="Assistant" panose="00000500000000000000" pitchFamily="2" charset="-79"/>
               </a:rPr>
               <a:t>For aye the same.</a:t>
             </a:r>
